--- a/Spring 2017 Semester/Music or Arts/ARUS HW/8 ARUS HW/ARUS  HW #8 notes.pptx
+++ b/Spring 2017 Semester/Music or Arts/ARUS HW/8 ARUS HW/ARUS  HW #8 notes.pptx
@@ -21855,7 +21855,27 @@
                 <a:cs typeface="Calibri"/>
                 <a:sym typeface="Calibri"/>
               </a:rPr>
-              <a:t>Basically russia was getting weak by the mid 1850 </a:t>
+              <a:t>Bas</a:t>
+            </a:r>
+            <a:r>
+              <a:rPr lang="en-US">
+                <a:solidFill>
+                  <a:srgbClr val="E98915"/>
+                </a:solidFill>
+              </a:rPr>
+              <a:t>i</a:t>
+            </a:r>
+            <a:r>
+              <a:rPr b="0" i="0" lang="en-US" sz="2800" u="none" cap="none" strike="noStrike">
+                <a:solidFill>
+                  <a:srgbClr val="E98915"/>
+                </a:solidFill>
+                <a:latin typeface="Calibri"/>
+                <a:ea typeface="Calibri"/>
+                <a:cs typeface="Calibri"/>
+                <a:sym typeface="Calibri"/>
+              </a:rPr>
+              <a:t>cally russia was getting weak by the mid 1850 </a:t>
             </a:r>
           </a:p>
           <a:p>
